--- a/OODP/OODP101_Week1.pptx
+++ b/OODP/OODP101_Week1.pptx
@@ -248,7 +248,7 @@
             <a:fld id="{3167B381-2549-48F4-8711-F15467D10553}" type="datetimeFigureOut">
               <a:rPr lang="en-US" smtClean="0"/>
               <a:pPr/>
-              <a:t>4/23/2024</a:t>
+              <a:t>5/4/2024</a:t>
             </a:fld>
             <a:endParaRPr lang="en-US" dirty="0"/>
           </a:p>
@@ -416,7 +416,7 @@
             <a:fld id="{9D3FBAC9-CFCC-4023-89A7-5749D0192C0F}" type="datetimeFigureOut">
               <a:rPr lang="en-AU" smtClean="0"/>
               <a:pPr/>
-              <a:t>23/04/2024</a:t>
+              <a:t>4/05/2024</a:t>
             </a:fld>
             <a:endParaRPr lang="en-AU" dirty="0"/>
           </a:p>
@@ -4854,7 +4854,7 @@
           <a:p>
             <a:fld id="{D9C8793D-DBA7-4A8F-846C-01F1021D9C65}" type="datetime1">
               <a:rPr lang="en-AU" smtClean="0"/>
-              <a:t>23/04/2024</a:t>
+              <a:t>4/05/2024</a:t>
             </a:fld>
             <a:endParaRPr lang="en-AU" dirty="0"/>
           </a:p>
@@ -5099,7 +5099,7 @@
           <a:p>
             <a:fld id="{29CE28F1-FEFC-4EE5-A54C-C5AD95E03F3C}" type="datetime1">
               <a:rPr lang="en-AU" smtClean="0"/>
-              <a:t>23/04/2024</a:t>
+              <a:t>4/05/2024</a:t>
             </a:fld>
             <a:endParaRPr lang="en-AU" dirty="0"/>
           </a:p>
@@ -5334,7 +5334,7 @@
           <a:p>
             <a:fld id="{840E0D84-6247-431F-AFCA-113F4EE39346}" type="datetime1">
               <a:rPr lang="en-AU" smtClean="0"/>
-              <a:t>23/04/2024</a:t>
+              <a:t>4/05/2024</a:t>
             </a:fld>
             <a:endParaRPr lang="en-AU" dirty="0"/>
           </a:p>
@@ -6145,7 +6145,7 @@
           <a:p>
             <a:fld id="{D89A24A7-E0D0-4BD2-8EBB-7E8FF95D7C57}" type="datetime1">
               <a:rPr lang="en-AU" smtClean="0"/>
-              <a:t>23/04/2024</a:t>
+              <a:t>4/05/2024</a:t>
             </a:fld>
             <a:endParaRPr lang="en-AU" dirty="0"/>
           </a:p>
@@ -7870,7 +7870,7 @@
           <a:p>
             <a:fld id="{B6FA2929-F721-4DEC-A111-2242BC722A49}" type="datetime1">
               <a:rPr lang="en-AU" smtClean="0"/>
-              <a:t>23/04/2024</a:t>
+              <a:t>4/05/2024</a:t>
             </a:fld>
             <a:endParaRPr lang="en-AU" dirty="0"/>
           </a:p>
@@ -8553,7 +8553,7 @@
           <a:p>
             <a:fld id="{DBF91B49-4D56-4BC2-B95B-69098DE600CD}" type="datetime1">
               <a:rPr lang="en-AU" smtClean="0"/>
-              <a:t>23/04/2024</a:t>
+              <a:t>4/05/2024</a:t>
             </a:fld>
             <a:endParaRPr lang="en-AU" dirty="0"/>
           </a:p>
@@ -8649,7 +8649,7 @@
           <a:p>
             <a:fld id="{07889B46-1CF9-4EE7-8FB6-DC61E422AE3F}" type="datetime1">
               <a:rPr lang="en-AU" smtClean="0"/>
-              <a:t>23/04/2024</a:t>
+              <a:t>4/05/2024</a:t>
             </a:fld>
             <a:endParaRPr lang="en-AU" dirty="0"/>
           </a:p>
@@ -8991,7 +8991,7 @@
           <a:p>
             <a:fld id="{47B667BA-8757-48F2-AF1C-31C9B01669C7}" type="datetime1">
               <a:rPr lang="en-AU" smtClean="0"/>
-              <a:t>23/04/2024</a:t>
+              <a:t>4/05/2024</a:t>
             </a:fld>
             <a:endParaRPr lang="en-AU" dirty="0"/>
           </a:p>
@@ -9313,7 +9313,7 @@
           <a:p>
             <a:fld id="{1E22260A-25C5-4CED-A8EB-9804556707CD}" type="datetime1">
               <a:rPr lang="en-AU" smtClean="0"/>
-              <a:t>23/04/2024</a:t>
+              <a:t>4/05/2024</a:t>
             </a:fld>
             <a:endParaRPr lang="en-AU" dirty="0"/>
           </a:p>
@@ -9591,7 +9591,7 @@
           <a:p>
             <a:fld id="{3F1CD844-23EE-4977-BC46-B90A110D249C}" type="datetime1">
               <a:rPr lang="en-AU" smtClean="0"/>
-              <a:t>23/04/2024</a:t>
+              <a:t>4/05/2024</a:t>
             </a:fld>
             <a:endParaRPr lang="en-AU" dirty="0"/>
           </a:p>
@@ -14986,8 +14986,8 @@
         </p:blipFill>
         <p:spPr>
           <a:xfrm>
-            <a:off x="2971800" y="1432328"/>
-            <a:ext cx="6553200" cy="4790995"/>
+            <a:off x="838201" y="1432328"/>
+            <a:ext cx="9960428" cy="4936900"/>
           </a:xfrm>
         </p:spPr>
       </p:pic>
@@ -15604,8 +15604,8 @@
         </p:blipFill>
         <p:spPr>
           <a:xfrm>
-            <a:off x="3200251" y="2209800"/>
-            <a:ext cx="5791498" cy="2940139"/>
+            <a:off x="1175657" y="2209800"/>
+            <a:ext cx="9637486" cy="3967954"/>
           </a:xfrm>
           <a:prstGeom prst="rect">
             <a:avLst/>
@@ -15837,8 +15837,8 @@
         </p:blipFill>
         <p:spPr>
           <a:xfrm>
-            <a:off x="2209800" y="2286000"/>
-            <a:ext cx="7556502" cy="2514600"/>
+            <a:off x="1282955" y="1690688"/>
+            <a:ext cx="9486645" cy="4158569"/>
           </a:xfrm>
         </p:spPr>
       </p:pic>
@@ -15982,8 +15982,8 @@
         </p:blipFill>
         <p:spPr>
           <a:xfrm>
-            <a:off x="2819401" y="2286000"/>
-            <a:ext cx="6532099" cy="2854362"/>
+            <a:off x="1465942" y="2285999"/>
+            <a:ext cx="8744857" cy="3545388"/>
           </a:xfrm>
         </p:spPr>
       </p:pic>
@@ -17460,8 +17460,8 @@
         </p:nvSpPr>
         <p:spPr>
           <a:xfrm>
-            <a:off x="1981200" y="1295401"/>
-            <a:ext cx="8229600" cy="4830763"/>
+            <a:off x="986971" y="1295401"/>
+            <a:ext cx="10101943" cy="4830763"/>
           </a:xfrm>
         </p:spPr>
         <p:txBody>
@@ -17666,7 +17666,12 @@
             <p:ph idx="1"/>
           </p:nvPr>
         </p:nvSpPr>
-        <p:spPr/>
+        <p:spPr>
+          <a:xfrm>
+            <a:off x="838199" y="1825624"/>
+            <a:ext cx="10874829" cy="4530725"/>
+          </a:xfrm>
+        </p:spPr>
         <p:txBody>
           <a:bodyPr/>
           <a:lstStyle/>
@@ -17880,8 +17885,8 @@
         </p:nvSpPr>
         <p:spPr>
           <a:xfrm>
-            <a:off x="1981200" y="1371601"/>
-            <a:ext cx="8229600" cy="4525963"/>
+            <a:off x="1001486" y="1371601"/>
+            <a:ext cx="9884228" cy="4525963"/>
           </a:xfrm>
         </p:spPr>
         <p:txBody>
@@ -18144,13 +18149,13 @@
         </p:nvSpPr>
         <p:spPr>
           <a:xfrm>
-            <a:off x="1752600" y="1295401"/>
-            <a:ext cx="8686800" cy="4525963"/>
+            <a:off x="838200" y="1295401"/>
+            <a:ext cx="9601200" cy="4771570"/>
           </a:xfrm>
         </p:spPr>
         <p:txBody>
           <a:bodyPr>
-            <a:normAutofit lnSpcReduction="10000"/>
+            <a:normAutofit/>
           </a:bodyPr>
           <a:lstStyle/>
           <a:p>
@@ -18416,8 +18421,8 @@
         </p:nvSpPr>
         <p:spPr>
           <a:xfrm>
-            <a:off x="1981200" y="1341438"/>
-            <a:ext cx="8229600" cy="4525963"/>
+            <a:off x="1117600" y="1341438"/>
+            <a:ext cx="9093200" cy="4525963"/>
           </a:xfrm>
         </p:spPr>
         <p:txBody>
